--- a/assets/img/CW22.pptx
+++ b/assets/img/CW22.pptx
@@ -263,7 +263,7 @@
           <a:p>
             <a:fld id="{2F3E8B1C-86EF-43CF-8304-249481088644}" type="datetimeFigureOut">
               <a:rPr lang="en-US" smtClean="0"/>
-              <a:t>2/12/22</a:t>
+              <a:t>3/19/22</a:t>
             </a:fld>
             <a:endParaRPr lang="en-US"/>
           </a:p>
@@ -461,7 +461,7 @@
           <a:p>
             <a:fld id="{2F3E8B1C-86EF-43CF-8304-249481088644}" type="datetimeFigureOut">
               <a:rPr lang="en-US" smtClean="0"/>
-              <a:t>2/12/22</a:t>
+              <a:t>3/19/22</a:t>
             </a:fld>
             <a:endParaRPr lang="en-US"/>
           </a:p>
@@ -669,7 +669,7 @@
           <a:p>
             <a:fld id="{2F3E8B1C-86EF-43CF-8304-249481088644}" type="datetimeFigureOut">
               <a:rPr lang="en-US" smtClean="0"/>
-              <a:t>2/12/22</a:t>
+              <a:t>3/19/22</a:t>
             </a:fld>
             <a:endParaRPr lang="en-US"/>
           </a:p>
@@ -867,7 +867,7 @@
           <a:p>
             <a:fld id="{2F3E8B1C-86EF-43CF-8304-249481088644}" type="datetimeFigureOut">
               <a:rPr lang="en-US" smtClean="0"/>
-              <a:t>2/12/22</a:t>
+              <a:t>3/19/22</a:t>
             </a:fld>
             <a:endParaRPr lang="en-US"/>
           </a:p>
@@ -1142,7 +1142,7 @@
           <a:p>
             <a:fld id="{2F3E8B1C-86EF-43CF-8304-249481088644}" type="datetimeFigureOut">
               <a:rPr lang="en-US" smtClean="0"/>
-              <a:t>2/12/22</a:t>
+              <a:t>3/19/22</a:t>
             </a:fld>
             <a:endParaRPr lang="en-US"/>
           </a:p>
@@ -1412,7 +1412,7 @@
           <a:p>
             <a:fld id="{2F3E8B1C-86EF-43CF-8304-249481088644}" type="datetimeFigureOut">
               <a:rPr lang="en-US" smtClean="0"/>
-              <a:t>2/12/22</a:t>
+              <a:t>3/19/22</a:t>
             </a:fld>
             <a:endParaRPr lang="en-US"/>
           </a:p>
@@ -1832,7 +1832,7 @@
           <a:p>
             <a:fld id="{2F3E8B1C-86EF-43CF-8304-249481088644}" type="datetimeFigureOut">
               <a:rPr lang="en-US" smtClean="0"/>
-              <a:t>2/12/22</a:t>
+              <a:t>3/19/22</a:t>
             </a:fld>
             <a:endParaRPr lang="en-US"/>
           </a:p>
@@ -1973,7 +1973,7 @@
           <a:p>
             <a:fld id="{2F3E8B1C-86EF-43CF-8304-249481088644}" type="datetimeFigureOut">
               <a:rPr lang="en-US" smtClean="0"/>
-              <a:t>2/12/22</a:t>
+              <a:t>3/19/22</a:t>
             </a:fld>
             <a:endParaRPr lang="en-US"/>
           </a:p>
@@ -2086,7 +2086,7 @@
           <a:p>
             <a:fld id="{2F3E8B1C-86EF-43CF-8304-249481088644}" type="datetimeFigureOut">
               <a:rPr lang="en-US" smtClean="0"/>
-              <a:t>2/12/22</a:t>
+              <a:t>3/19/22</a:t>
             </a:fld>
             <a:endParaRPr lang="en-US"/>
           </a:p>
@@ -2397,7 +2397,7 @@
           <a:p>
             <a:fld id="{2F3E8B1C-86EF-43CF-8304-249481088644}" type="datetimeFigureOut">
               <a:rPr lang="en-US" smtClean="0"/>
-              <a:t>2/12/22</a:t>
+              <a:t>3/19/22</a:t>
             </a:fld>
             <a:endParaRPr lang="en-US"/>
           </a:p>
@@ -2685,7 +2685,7 @@
           <a:p>
             <a:fld id="{2F3E8B1C-86EF-43CF-8304-249481088644}" type="datetimeFigureOut">
               <a:rPr lang="en-US" smtClean="0"/>
-              <a:t>2/12/22</a:t>
+              <a:t>3/19/22</a:t>
             </a:fld>
             <a:endParaRPr lang="en-US"/>
           </a:p>
@@ -2926,7 +2926,7 @@
             <a:fld id="{2F3E8B1C-86EF-43CF-8304-249481088644}" type="datetimeFigureOut">
               <a:rPr lang="en-US" smtClean="0"/>
               <a:pPr/>
-              <a:t>2/12/22</a:t>
+              <a:t>3/19/22</a:t>
             </a:fld>
             <a:endParaRPr lang="en-US" dirty="0"/>
           </a:p>
@@ -3594,7 +3594,7 @@
                 <a:spcPts val="600"/>
               </a:spcAft>
             </a:pPr>
-            <a:endParaRPr lang="en-US"/>
+            <a:endParaRPr lang="en-US" dirty="0"/>
           </a:p>
           <a:p>
             <a:pPr>
@@ -3603,8 +3603,8 @@
               </a:spcAft>
             </a:pPr>
             <a:r>
-              <a:rPr lang="en-US"/>
-              <a:t>July 19 – 21, 2022</a:t>
+              <a:rPr lang="en-US" dirty="0"/>
+              <a:t>July 25 – 29, 2022</a:t>
             </a:r>
           </a:p>
         </p:txBody>

--- a/assets/img/CW22.pptx
+++ b/assets/img/CW22.pptx
@@ -7,7 +7,7 @@
   <p:sldIdLst>
     <p:sldId id="256" r:id="rId2"/>
   </p:sldIdLst>
-  <p:sldSz cx="12192000" cy="6858000"/>
+  <p:sldSz cx="7315200" cy="7315200"/>
   <p:notesSz cx="6858000" cy="9144000"/>
   <p:defaultTextStyle>
     <a:defPPr>
@@ -147,8 +147,8 @@
         </p:nvSpPr>
         <p:spPr>
           <a:xfrm>
-            <a:off x="678426" y="889820"/>
-            <a:ext cx="9989574" cy="3598606"/>
+            <a:off x="407056" y="949141"/>
+            <a:ext cx="5993745" cy="3838513"/>
           </a:xfrm>
         </p:spPr>
         <p:txBody>
@@ -157,7 +157,7 @@
           </a:bodyPr>
           <a:lstStyle>
             <a:lvl1pPr algn="l">
-              <a:defRPr sz="5400"/>
+              <a:defRPr sz="3240"/>
             </a:lvl1pPr>
           </a:lstStyle>
           <a:p>
@@ -186,8 +186,8 @@
         </p:nvSpPr>
         <p:spPr>
           <a:xfrm>
-            <a:off x="678426" y="4488426"/>
-            <a:ext cx="6991776" cy="1302774"/>
+            <a:off x="407057" y="4787654"/>
+            <a:ext cx="4195066" cy="1389626"/>
           </a:xfrm>
         </p:spPr>
         <p:txBody>
@@ -197,39 +197,39 @@
           <a:lstStyle>
             <a:lvl1pPr marL="0" indent="0" algn="l">
               <a:buNone/>
-              <a:defRPr sz="2000"/>
+              <a:defRPr sz="1200"/>
             </a:lvl1pPr>
-            <a:lvl2pPr marL="457200" indent="0" algn="ctr">
-              <a:buNone/>
-              <a:defRPr sz="2000"/>
+            <a:lvl2pPr marL="274328" indent="0" algn="ctr">
+              <a:buNone/>
+              <a:defRPr sz="1200"/>
             </a:lvl2pPr>
-            <a:lvl3pPr marL="914400" indent="0" algn="ctr">
-              <a:buNone/>
-              <a:defRPr sz="1800"/>
+            <a:lvl3pPr marL="548657" indent="0" algn="ctr">
+              <a:buNone/>
+              <a:defRPr sz="1080"/>
             </a:lvl3pPr>
-            <a:lvl4pPr marL="1371600" indent="0" algn="ctr">
-              <a:buNone/>
-              <a:defRPr sz="1600"/>
+            <a:lvl4pPr marL="822986" indent="0" algn="ctr">
+              <a:buNone/>
+              <a:defRPr sz="960"/>
             </a:lvl4pPr>
-            <a:lvl5pPr marL="1828800" indent="0" algn="ctr">
-              <a:buNone/>
-              <a:defRPr sz="1600"/>
+            <a:lvl5pPr marL="1097314" indent="0" algn="ctr">
+              <a:buNone/>
+              <a:defRPr sz="960"/>
             </a:lvl5pPr>
-            <a:lvl6pPr marL="2286000" indent="0" algn="ctr">
-              <a:buNone/>
-              <a:defRPr sz="1600"/>
+            <a:lvl6pPr marL="1371643" indent="0" algn="ctr">
+              <a:buNone/>
+              <a:defRPr sz="960"/>
             </a:lvl6pPr>
-            <a:lvl7pPr marL="2743200" indent="0" algn="ctr">
-              <a:buNone/>
-              <a:defRPr sz="1600"/>
+            <a:lvl7pPr marL="1645971" indent="0" algn="ctr">
+              <a:buNone/>
+              <a:defRPr sz="960"/>
             </a:lvl7pPr>
-            <a:lvl8pPr marL="3200400" indent="0" algn="ctr">
-              <a:buNone/>
-              <a:defRPr sz="1600"/>
+            <a:lvl8pPr marL="1920300" indent="0" algn="ctr">
+              <a:buNone/>
+              <a:defRPr sz="960"/>
             </a:lvl8pPr>
-            <a:lvl9pPr marL="3657600" indent="0" algn="ctr">
-              <a:buNone/>
-              <a:defRPr sz="1600"/>
+            <a:lvl9pPr marL="2194628" indent="0" algn="ctr">
+              <a:buNone/>
+              <a:defRPr sz="960"/>
             </a:lvl9pPr>
           </a:lstStyle>
           <a:p>
@@ -569,8 +569,8 @@
         </p:nvSpPr>
         <p:spPr>
           <a:xfrm>
-            <a:off x="9242322" y="997974"/>
-            <a:ext cx="2349043" cy="4984956"/>
+            <a:off x="5545393" y="1064506"/>
+            <a:ext cx="1409426" cy="5317286"/>
           </a:xfrm>
         </p:spPr>
         <p:txBody>
@@ -602,8 +602,8 @@
         </p:nvSpPr>
         <p:spPr>
           <a:xfrm>
-            <a:off x="838200" y="997973"/>
-            <a:ext cx="8404122" cy="4984956"/>
+            <a:off x="502920" y="1064505"/>
+            <a:ext cx="5042474" cy="5317286"/>
           </a:xfrm>
         </p:spPr>
         <p:txBody>
@@ -975,15 +975,15 @@
         </p:nvSpPr>
         <p:spPr>
           <a:xfrm>
-            <a:off x="715383" y="1709738"/>
-            <a:ext cx="10632067" cy="2852737"/>
+            <a:off x="429231" y="1823722"/>
+            <a:ext cx="6379240" cy="3042919"/>
           </a:xfrm>
         </p:spPr>
         <p:txBody>
           <a:bodyPr anchor="b"/>
           <a:lstStyle>
             <a:lvl1pPr>
-              <a:defRPr sz="6000"/>
+              <a:defRPr sz="3600"/>
             </a:lvl1pPr>
           </a:lstStyle>
           <a:p>
@@ -1012,8 +1012,8 @@
         </p:nvSpPr>
         <p:spPr>
           <a:xfrm>
-            <a:off x="715383" y="4589463"/>
-            <a:ext cx="10632067" cy="1500187"/>
+            <a:off x="429231" y="4895429"/>
+            <a:ext cx="6379240" cy="1600199"/>
           </a:xfrm>
         </p:spPr>
         <p:txBody>
@@ -1021,7 +1021,7 @@
           <a:lstStyle>
             <a:lvl1pPr marL="0" indent="0">
               <a:buNone/>
-              <a:defRPr sz="2400">
+              <a:defRPr sz="1440">
                 <a:solidFill>
                   <a:schemeClr val="tx1">
                     <a:tint val="75000"/>
@@ -1029,9 +1029,9 @@
                 </a:solidFill>
               </a:defRPr>
             </a:lvl1pPr>
-            <a:lvl2pPr marL="457200" indent="0">
-              <a:buNone/>
-              <a:defRPr sz="2000">
+            <a:lvl2pPr marL="274328" indent="0">
+              <a:buNone/>
+              <a:defRPr sz="1200">
                 <a:solidFill>
                   <a:schemeClr val="tx1">
                     <a:tint val="75000"/>
@@ -1039,9 +1039,9 @@
                 </a:solidFill>
               </a:defRPr>
             </a:lvl2pPr>
-            <a:lvl3pPr marL="914400" indent="0">
-              <a:buNone/>
-              <a:defRPr sz="1800">
+            <a:lvl3pPr marL="548657" indent="0">
+              <a:buNone/>
+              <a:defRPr sz="1080">
                 <a:solidFill>
                   <a:schemeClr val="tx1">
                     <a:tint val="75000"/>
@@ -1049,9 +1049,9 @@
                 </a:solidFill>
               </a:defRPr>
             </a:lvl3pPr>
-            <a:lvl4pPr marL="1371600" indent="0">
-              <a:buNone/>
-              <a:defRPr sz="1600">
+            <a:lvl4pPr marL="822986" indent="0">
+              <a:buNone/>
+              <a:defRPr sz="960">
                 <a:solidFill>
                   <a:schemeClr val="tx1">
                     <a:tint val="75000"/>
@@ -1059,9 +1059,9 @@
                 </a:solidFill>
               </a:defRPr>
             </a:lvl4pPr>
-            <a:lvl5pPr marL="1828800" indent="0">
-              <a:buNone/>
-              <a:defRPr sz="1600">
+            <a:lvl5pPr marL="1097314" indent="0">
+              <a:buNone/>
+              <a:defRPr sz="960">
                 <a:solidFill>
                   <a:schemeClr val="tx1">
                     <a:tint val="75000"/>
@@ -1069,9 +1069,9 @@
                 </a:solidFill>
               </a:defRPr>
             </a:lvl5pPr>
-            <a:lvl6pPr marL="2286000" indent="0">
-              <a:buNone/>
-              <a:defRPr sz="1600">
+            <a:lvl6pPr marL="1371643" indent="0">
+              <a:buNone/>
+              <a:defRPr sz="960">
                 <a:solidFill>
                   <a:schemeClr val="tx1">
                     <a:tint val="75000"/>
@@ -1079,9 +1079,9 @@
                 </a:solidFill>
               </a:defRPr>
             </a:lvl6pPr>
-            <a:lvl7pPr marL="2743200" indent="0">
-              <a:buNone/>
-              <a:defRPr sz="1600">
+            <a:lvl7pPr marL="1645971" indent="0">
+              <a:buNone/>
+              <a:defRPr sz="960">
                 <a:solidFill>
                   <a:schemeClr val="tx1">
                     <a:tint val="75000"/>
@@ -1089,9 +1089,9 @@
                 </a:solidFill>
               </a:defRPr>
             </a:lvl7pPr>
-            <a:lvl8pPr marL="3200400" indent="0">
-              <a:buNone/>
-              <a:defRPr sz="1600">
+            <a:lvl8pPr marL="1920300" indent="0">
+              <a:buNone/>
+              <a:defRPr sz="960">
                 <a:solidFill>
                   <a:schemeClr val="tx1">
                     <a:tint val="75000"/>
@@ -1099,9 +1099,9 @@
                 </a:solidFill>
               </a:defRPr>
             </a:lvl8pPr>
-            <a:lvl9pPr marL="3657600" indent="0">
-              <a:buNone/>
-              <a:defRPr sz="1600">
+            <a:lvl9pPr marL="2194628" indent="0">
+              <a:buNone/>
+              <a:defRPr sz="960">
                 <a:solidFill>
                   <a:schemeClr val="tx1">
                     <a:tint val="75000"/>
@@ -1250,8 +1250,8 @@
         </p:nvSpPr>
         <p:spPr>
           <a:xfrm>
-            <a:off x="700635" y="922096"/>
-            <a:ext cx="10691265" cy="1127930"/>
+            <a:off x="420382" y="983569"/>
+            <a:ext cx="6414759" cy="1203125"/>
           </a:xfrm>
         </p:spPr>
         <p:txBody>
@@ -1283,8 +1283,8 @@
         </p:nvSpPr>
         <p:spPr>
           <a:xfrm>
-            <a:off x="715383" y="2128684"/>
-            <a:ext cx="5304417" cy="3844414"/>
+            <a:off x="429231" y="2270596"/>
+            <a:ext cx="3182650" cy="4100708"/>
           </a:xfrm>
         </p:spPr>
         <p:txBody>
@@ -1345,8 +1345,8 @@
         </p:nvSpPr>
         <p:spPr>
           <a:xfrm>
-            <a:off x="6172200" y="2128684"/>
-            <a:ext cx="5219700" cy="3844414"/>
+            <a:off x="3703320" y="2270596"/>
+            <a:ext cx="3131820" cy="4100708"/>
           </a:xfrm>
         </p:spPr>
         <p:txBody>
@@ -1520,8 +1520,8 @@
         </p:nvSpPr>
         <p:spPr>
           <a:xfrm>
-            <a:off x="685887" y="929148"/>
-            <a:ext cx="10640005" cy="761540"/>
+            <a:off x="411532" y="991091"/>
+            <a:ext cx="6384004" cy="812309"/>
           </a:xfrm>
         </p:spPr>
         <p:txBody>
@@ -1553,8 +1553,8 @@
         </p:nvSpPr>
         <p:spPr>
           <a:xfrm>
-            <a:off x="715384" y="1681163"/>
-            <a:ext cx="5282192" cy="657225"/>
+            <a:off x="429230" y="1793241"/>
+            <a:ext cx="3169316" cy="701040"/>
           </a:xfrm>
         </p:spPr>
         <p:txBody>
@@ -1564,41 +1564,41 @@
           <a:lstStyle>
             <a:lvl1pPr marL="0" indent="0">
               <a:buNone/>
-              <a:defRPr sz="1600" b="1">
+              <a:defRPr sz="960" b="1">
                 <a:latin typeface="+mj-lt"/>
               </a:defRPr>
             </a:lvl1pPr>
-            <a:lvl2pPr marL="457200" indent="0">
-              <a:buNone/>
-              <a:defRPr sz="2000" b="1"/>
+            <a:lvl2pPr marL="274328" indent="0">
+              <a:buNone/>
+              <a:defRPr sz="1200" b="1"/>
             </a:lvl2pPr>
-            <a:lvl3pPr marL="914400" indent="0">
-              <a:buNone/>
-              <a:defRPr sz="1800" b="1"/>
+            <a:lvl3pPr marL="548657" indent="0">
+              <a:buNone/>
+              <a:defRPr sz="1080" b="1"/>
             </a:lvl3pPr>
-            <a:lvl4pPr marL="1371600" indent="0">
-              <a:buNone/>
-              <a:defRPr sz="1600" b="1"/>
+            <a:lvl4pPr marL="822986" indent="0">
+              <a:buNone/>
+              <a:defRPr sz="960" b="1"/>
             </a:lvl4pPr>
-            <a:lvl5pPr marL="1828800" indent="0">
-              <a:buNone/>
-              <a:defRPr sz="1600" b="1"/>
+            <a:lvl5pPr marL="1097314" indent="0">
+              <a:buNone/>
+              <a:defRPr sz="960" b="1"/>
             </a:lvl5pPr>
-            <a:lvl6pPr marL="2286000" indent="0">
-              <a:buNone/>
-              <a:defRPr sz="1600" b="1"/>
+            <a:lvl6pPr marL="1371643" indent="0">
+              <a:buNone/>
+              <a:defRPr sz="960" b="1"/>
             </a:lvl6pPr>
-            <a:lvl7pPr marL="2743200" indent="0">
-              <a:buNone/>
-              <a:defRPr sz="1600" b="1"/>
+            <a:lvl7pPr marL="1645971" indent="0">
+              <a:buNone/>
+              <a:defRPr sz="960" b="1"/>
             </a:lvl7pPr>
-            <a:lvl8pPr marL="3200400" indent="0">
-              <a:buNone/>
-              <a:defRPr sz="1600" b="1"/>
+            <a:lvl8pPr marL="1920300" indent="0">
+              <a:buNone/>
+              <a:defRPr sz="960" b="1"/>
             </a:lvl8pPr>
-            <a:lvl9pPr marL="3657600" indent="0">
-              <a:buNone/>
-              <a:defRPr sz="1600" b="1"/>
+            <a:lvl9pPr marL="2194628" indent="0">
+              <a:buNone/>
+              <a:defRPr sz="960" b="1"/>
             </a:lvl9pPr>
           </a:lstStyle>
           <a:p>
@@ -1628,8 +1628,8 @@
         </p:nvSpPr>
         <p:spPr>
           <a:xfrm>
-            <a:off x="715384" y="2505075"/>
-            <a:ext cx="5282192" cy="3423777"/>
+            <a:off x="429230" y="2672082"/>
+            <a:ext cx="3169316" cy="3652029"/>
           </a:xfrm>
         </p:spPr>
         <p:txBody>
@@ -1690,8 +1690,8 @@
         </p:nvSpPr>
         <p:spPr>
           <a:xfrm>
-            <a:off x="6172200" y="1681163"/>
-            <a:ext cx="5183188" cy="657225"/>
+            <a:off x="3703320" y="1793241"/>
+            <a:ext cx="3109913" cy="701040"/>
           </a:xfrm>
         </p:spPr>
         <p:txBody>
@@ -1701,41 +1701,41 @@
           <a:lstStyle>
             <a:lvl1pPr marL="0" indent="0">
               <a:buNone/>
-              <a:defRPr sz="1600" b="1">
+              <a:defRPr sz="960" b="1">
                 <a:latin typeface="+mj-lt"/>
               </a:defRPr>
             </a:lvl1pPr>
-            <a:lvl2pPr marL="457200" indent="0">
-              <a:buNone/>
-              <a:defRPr sz="2000" b="1"/>
+            <a:lvl2pPr marL="274328" indent="0">
+              <a:buNone/>
+              <a:defRPr sz="1200" b="1"/>
             </a:lvl2pPr>
-            <a:lvl3pPr marL="914400" indent="0">
-              <a:buNone/>
-              <a:defRPr sz="1800" b="1"/>
+            <a:lvl3pPr marL="548657" indent="0">
+              <a:buNone/>
+              <a:defRPr sz="1080" b="1"/>
             </a:lvl3pPr>
-            <a:lvl4pPr marL="1371600" indent="0">
-              <a:buNone/>
-              <a:defRPr sz="1600" b="1"/>
+            <a:lvl4pPr marL="822986" indent="0">
+              <a:buNone/>
+              <a:defRPr sz="960" b="1"/>
             </a:lvl4pPr>
-            <a:lvl5pPr marL="1828800" indent="0">
-              <a:buNone/>
-              <a:defRPr sz="1600" b="1"/>
+            <a:lvl5pPr marL="1097314" indent="0">
+              <a:buNone/>
+              <a:defRPr sz="960" b="1"/>
             </a:lvl5pPr>
-            <a:lvl6pPr marL="2286000" indent="0">
-              <a:buNone/>
-              <a:defRPr sz="1600" b="1"/>
+            <a:lvl6pPr marL="1371643" indent="0">
+              <a:buNone/>
+              <a:defRPr sz="960" b="1"/>
             </a:lvl6pPr>
-            <a:lvl7pPr marL="2743200" indent="0">
-              <a:buNone/>
-              <a:defRPr sz="1600" b="1"/>
+            <a:lvl7pPr marL="1645971" indent="0">
+              <a:buNone/>
+              <a:defRPr sz="960" b="1"/>
             </a:lvl7pPr>
-            <a:lvl8pPr marL="3200400" indent="0">
-              <a:buNone/>
-              <a:defRPr sz="1600" b="1"/>
+            <a:lvl8pPr marL="1920300" indent="0">
+              <a:buNone/>
+              <a:defRPr sz="960" b="1"/>
             </a:lvl8pPr>
-            <a:lvl9pPr marL="3657600" indent="0">
-              <a:buNone/>
-              <a:defRPr sz="1600" b="1"/>
+            <a:lvl9pPr marL="2194628" indent="0">
+              <a:buNone/>
+              <a:defRPr sz="960" b="1"/>
             </a:lvl9pPr>
           </a:lstStyle>
           <a:p>
@@ -1765,8 +1765,8 @@
         </p:nvSpPr>
         <p:spPr>
           <a:xfrm>
-            <a:off x="6172200" y="2505075"/>
-            <a:ext cx="5183188" cy="3423777"/>
+            <a:off x="3703320" y="2672082"/>
+            <a:ext cx="3109913" cy="3652029"/>
           </a:xfrm>
         </p:spPr>
         <p:txBody>
@@ -2194,15 +2194,15 @@
         </p:nvSpPr>
         <p:spPr>
           <a:xfrm>
-            <a:off x="678426" y="781665"/>
-            <a:ext cx="4093599" cy="1223452"/>
+            <a:off x="407056" y="833776"/>
+            <a:ext cx="2456160" cy="1305015"/>
           </a:xfrm>
         </p:spPr>
         <p:txBody>
           <a:bodyPr anchor="b"/>
           <a:lstStyle>
             <a:lvl1pPr>
-              <a:defRPr sz="3200"/>
+              <a:defRPr sz="1920"/>
             </a:lvl1pPr>
           </a:lstStyle>
           <a:p>
@@ -2231,39 +2231,39 @@
         </p:nvSpPr>
         <p:spPr>
           <a:xfrm>
-            <a:off x="5183188" y="987425"/>
-            <a:ext cx="6172200" cy="4873625"/>
+            <a:off x="3109913" y="1053255"/>
+            <a:ext cx="3703320" cy="5198533"/>
           </a:xfrm>
         </p:spPr>
         <p:txBody>
           <a:bodyPr/>
           <a:lstStyle>
             <a:lvl1pPr>
-              <a:defRPr sz="3200"/>
+              <a:defRPr sz="1920"/>
             </a:lvl1pPr>
             <a:lvl2pPr>
-              <a:defRPr sz="2800"/>
+              <a:defRPr sz="1680"/>
             </a:lvl2pPr>
             <a:lvl3pPr>
-              <a:defRPr sz="2400"/>
+              <a:defRPr sz="1440"/>
             </a:lvl3pPr>
             <a:lvl4pPr>
-              <a:defRPr sz="2000"/>
+              <a:defRPr sz="1200"/>
             </a:lvl4pPr>
             <a:lvl5pPr>
-              <a:defRPr sz="2000"/>
+              <a:defRPr sz="1200"/>
             </a:lvl5pPr>
             <a:lvl6pPr>
-              <a:defRPr sz="2000"/>
+              <a:defRPr sz="1200"/>
             </a:lvl6pPr>
             <a:lvl7pPr>
-              <a:defRPr sz="2000"/>
+              <a:defRPr sz="1200"/>
             </a:lvl7pPr>
             <a:lvl8pPr>
-              <a:defRPr sz="2000"/>
+              <a:defRPr sz="1200"/>
             </a:lvl8pPr>
             <a:lvl9pPr>
-              <a:defRPr sz="2000"/>
+              <a:defRPr sz="1200"/>
             </a:lvl9pPr>
           </a:lstStyle>
           <a:p>
@@ -2321,8 +2321,8 @@
         </p:nvSpPr>
         <p:spPr>
           <a:xfrm>
-            <a:off x="688258" y="2315497"/>
-            <a:ext cx="4093599" cy="3553491"/>
+            <a:off x="412955" y="2469864"/>
+            <a:ext cx="2456160" cy="3790390"/>
           </a:xfrm>
         </p:spPr>
         <p:txBody>
@@ -2330,39 +2330,39 @@
           <a:lstStyle>
             <a:lvl1pPr marL="0" indent="0">
               <a:buNone/>
-              <a:defRPr sz="1600"/>
+              <a:defRPr sz="960"/>
             </a:lvl1pPr>
-            <a:lvl2pPr marL="457200" indent="0">
-              <a:buNone/>
-              <a:defRPr sz="1400"/>
+            <a:lvl2pPr marL="274328" indent="0">
+              <a:buNone/>
+              <a:defRPr sz="840"/>
             </a:lvl2pPr>
-            <a:lvl3pPr marL="914400" indent="0">
-              <a:buNone/>
-              <a:defRPr sz="1200"/>
+            <a:lvl3pPr marL="548657" indent="0">
+              <a:buNone/>
+              <a:defRPr sz="720"/>
             </a:lvl3pPr>
-            <a:lvl4pPr marL="1371600" indent="0">
-              <a:buNone/>
-              <a:defRPr sz="1000"/>
+            <a:lvl4pPr marL="822986" indent="0">
+              <a:buNone/>
+              <a:defRPr sz="600"/>
             </a:lvl4pPr>
-            <a:lvl5pPr marL="1828800" indent="0">
-              <a:buNone/>
-              <a:defRPr sz="1000"/>
+            <a:lvl5pPr marL="1097314" indent="0">
+              <a:buNone/>
+              <a:defRPr sz="600"/>
             </a:lvl5pPr>
-            <a:lvl6pPr marL="2286000" indent="0">
-              <a:buNone/>
-              <a:defRPr sz="1000"/>
+            <a:lvl6pPr marL="1371643" indent="0">
+              <a:buNone/>
+              <a:defRPr sz="600"/>
             </a:lvl6pPr>
-            <a:lvl7pPr marL="2743200" indent="0">
-              <a:buNone/>
-              <a:defRPr sz="1000"/>
+            <a:lvl7pPr marL="1645971" indent="0">
+              <a:buNone/>
+              <a:defRPr sz="600"/>
             </a:lvl7pPr>
-            <a:lvl8pPr marL="3200400" indent="0">
-              <a:buNone/>
-              <a:defRPr sz="1000"/>
+            <a:lvl8pPr marL="1920300" indent="0">
+              <a:buNone/>
+              <a:defRPr sz="600"/>
             </a:lvl8pPr>
-            <a:lvl9pPr marL="3657600" indent="0">
-              <a:buNone/>
-              <a:defRPr sz="1000"/>
+            <a:lvl9pPr marL="2194628" indent="0">
+              <a:buNone/>
+              <a:defRPr sz="600"/>
             </a:lvl9pPr>
           </a:lstStyle>
           <a:p>
@@ -2505,15 +2505,15 @@
         </p:nvSpPr>
         <p:spPr>
           <a:xfrm>
-            <a:off x="683342" y="1066800"/>
-            <a:ext cx="4103431" cy="1317523"/>
+            <a:off x="410006" y="1137920"/>
+            <a:ext cx="2462059" cy="1405358"/>
           </a:xfrm>
         </p:spPr>
         <p:txBody>
           <a:bodyPr anchor="b"/>
           <a:lstStyle>
             <a:lvl1pPr>
-              <a:defRPr sz="3200"/>
+              <a:defRPr sz="1920"/>
             </a:lvl1pPr>
           </a:lstStyle>
           <a:p>
@@ -2542,8 +2542,8 @@
         </p:nvSpPr>
         <p:spPr>
           <a:xfrm>
-            <a:off x="5183188" y="1066800"/>
-            <a:ext cx="6172200" cy="4794250"/>
+            <a:off x="3109913" y="1137921"/>
+            <a:ext cx="3703320" cy="5113867"/>
           </a:xfrm>
         </p:spPr>
         <p:txBody>
@@ -2551,39 +2551,39 @@
           <a:lstStyle>
             <a:lvl1pPr marL="0" indent="0">
               <a:buNone/>
-              <a:defRPr sz="3200"/>
+              <a:defRPr sz="1920"/>
             </a:lvl1pPr>
-            <a:lvl2pPr marL="457200" indent="0">
-              <a:buNone/>
-              <a:defRPr sz="2800"/>
+            <a:lvl2pPr marL="274328" indent="0">
+              <a:buNone/>
+              <a:defRPr sz="1680"/>
             </a:lvl2pPr>
-            <a:lvl3pPr marL="914400" indent="0">
-              <a:buNone/>
-              <a:defRPr sz="2400"/>
+            <a:lvl3pPr marL="548657" indent="0">
+              <a:buNone/>
+              <a:defRPr sz="1440"/>
             </a:lvl3pPr>
-            <a:lvl4pPr marL="1371600" indent="0">
-              <a:buNone/>
-              <a:defRPr sz="2000"/>
+            <a:lvl4pPr marL="822986" indent="0">
+              <a:buNone/>
+              <a:defRPr sz="1200"/>
             </a:lvl4pPr>
-            <a:lvl5pPr marL="1828800" indent="0">
-              <a:buNone/>
-              <a:defRPr sz="2000"/>
+            <a:lvl5pPr marL="1097314" indent="0">
+              <a:buNone/>
+              <a:defRPr sz="1200"/>
             </a:lvl5pPr>
-            <a:lvl6pPr marL="2286000" indent="0">
-              <a:buNone/>
-              <a:defRPr sz="2000"/>
+            <a:lvl6pPr marL="1371643" indent="0">
+              <a:buNone/>
+              <a:defRPr sz="1200"/>
             </a:lvl6pPr>
-            <a:lvl7pPr marL="2743200" indent="0">
-              <a:buNone/>
-              <a:defRPr sz="2000"/>
+            <a:lvl7pPr marL="1645971" indent="0">
+              <a:buNone/>
+              <a:defRPr sz="1200"/>
             </a:lvl7pPr>
-            <a:lvl8pPr marL="3200400" indent="0">
-              <a:buNone/>
-              <a:defRPr sz="2000"/>
+            <a:lvl8pPr marL="1920300" indent="0">
+              <a:buNone/>
+              <a:defRPr sz="1200"/>
             </a:lvl8pPr>
-            <a:lvl9pPr marL="3657600" indent="0">
-              <a:buNone/>
-              <a:defRPr sz="2000"/>
+            <a:lvl9pPr marL="2194628" indent="0">
+              <a:buNone/>
+              <a:defRPr sz="1200"/>
             </a:lvl9pPr>
           </a:lstStyle>
           <a:p>
@@ -2609,8 +2609,8 @@
         </p:nvSpPr>
         <p:spPr>
           <a:xfrm>
-            <a:off x="683342" y="2552700"/>
-            <a:ext cx="4103431" cy="3316288"/>
+            <a:off x="410006" y="2722880"/>
+            <a:ext cx="2462059" cy="3537374"/>
           </a:xfrm>
         </p:spPr>
         <p:txBody>
@@ -2618,39 +2618,39 @@
           <a:lstStyle>
             <a:lvl1pPr marL="0" indent="0">
               <a:buNone/>
-              <a:defRPr sz="1600"/>
+              <a:defRPr sz="960"/>
             </a:lvl1pPr>
-            <a:lvl2pPr marL="457200" indent="0">
-              <a:buNone/>
-              <a:defRPr sz="1400"/>
+            <a:lvl2pPr marL="274328" indent="0">
+              <a:buNone/>
+              <a:defRPr sz="840"/>
             </a:lvl2pPr>
-            <a:lvl3pPr marL="914400" indent="0">
-              <a:buNone/>
-              <a:defRPr sz="1200"/>
+            <a:lvl3pPr marL="548657" indent="0">
+              <a:buNone/>
+              <a:defRPr sz="720"/>
             </a:lvl3pPr>
-            <a:lvl4pPr marL="1371600" indent="0">
-              <a:buNone/>
-              <a:defRPr sz="1000"/>
+            <a:lvl4pPr marL="822986" indent="0">
+              <a:buNone/>
+              <a:defRPr sz="600"/>
             </a:lvl4pPr>
-            <a:lvl5pPr marL="1828800" indent="0">
-              <a:buNone/>
-              <a:defRPr sz="1000"/>
+            <a:lvl5pPr marL="1097314" indent="0">
+              <a:buNone/>
+              <a:defRPr sz="600"/>
             </a:lvl5pPr>
-            <a:lvl6pPr marL="2286000" indent="0">
-              <a:buNone/>
-              <a:defRPr sz="1000"/>
+            <a:lvl6pPr marL="1371643" indent="0">
+              <a:buNone/>
+              <a:defRPr sz="600"/>
             </a:lvl6pPr>
-            <a:lvl7pPr marL="2743200" indent="0">
-              <a:buNone/>
-              <a:defRPr sz="1000"/>
+            <a:lvl7pPr marL="1645971" indent="0">
+              <a:buNone/>
+              <a:defRPr sz="600"/>
             </a:lvl7pPr>
-            <a:lvl8pPr marL="3200400" indent="0">
-              <a:buNone/>
-              <a:defRPr sz="1000"/>
+            <a:lvl8pPr marL="1920300" indent="0">
+              <a:buNone/>
+              <a:defRPr sz="600"/>
             </a:lvl8pPr>
-            <a:lvl9pPr marL="3657600" indent="0">
-              <a:buNone/>
-              <a:defRPr sz="1000"/>
+            <a:lvl9pPr marL="2194628" indent="0">
+              <a:buNone/>
+              <a:defRPr sz="600"/>
             </a:lvl9pPr>
           </a:lstStyle>
           <a:p>
@@ -2798,8 +2798,8 @@
         </p:nvSpPr>
         <p:spPr>
           <a:xfrm>
-            <a:off x="700635" y="922096"/>
-            <a:ext cx="10691265" cy="1371030"/>
+            <a:off x="420382" y="983569"/>
+            <a:ext cx="6414759" cy="1462432"/>
           </a:xfrm>
           <a:prstGeom prst="rect">
             <a:avLst/>
@@ -2836,8 +2836,8 @@
         </p:nvSpPr>
         <p:spPr>
           <a:xfrm>
-            <a:off x="700635" y="2293126"/>
-            <a:ext cx="10691265" cy="3636088"/>
+            <a:off x="420382" y="2446001"/>
+            <a:ext cx="6414759" cy="3878494"/>
           </a:xfrm>
           <a:prstGeom prst="rect">
             <a:avLst/>
@@ -2903,8 +2903,8 @@
         </p:nvSpPr>
         <p:spPr>
           <a:xfrm>
-            <a:off x="8369448" y="6356350"/>
-            <a:ext cx="2592594" cy="365125"/>
+            <a:off x="5021669" y="6780108"/>
+            <a:ext cx="1555557" cy="389467"/>
           </a:xfrm>
           <a:prstGeom prst="rect">
             <a:avLst/>
@@ -2914,7 +2914,7 @@
           <a:bodyPr vert="horz" lIns="91440" tIns="45720" rIns="91440" bIns="45720" rtlCol="0" anchor="ctr"/>
           <a:lstStyle>
             <a:lvl1pPr algn="r">
-              <a:defRPr sz="1050">
+              <a:defRPr sz="630">
                 <a:solidFill>
                   <a:schemeClr val="tx1"/>
                 </a:solidFill>
@@ -2950,8 +2950,8 @@
         </p:nvSpPr>
         <p:spPr>
           <a:xfrm>
-            <a:off x="715383" y="6356350"/>
-            <a:ext cx="4539727" cy="365125"/>
+            <a:off x="429230" y="6780108"/>
+            <a:ext cx="2723836" cy="389467"/>
           </a:xfrm>
           <a:prstGeom prst="rect">
             <a:avLst/>
@@ -2961,7 +2961,7 @@
           <a:bodyPr vert="horz" lIns="91440" tIns="45720" rIns="91440" bIns="45720" rtlCol="0" anchor="ctr"/>
           <a:lstStyle>
             <a:lvl1pPr algn="l">
-              <a:defRPr sz="1050">
+              <a:defRPr sz="630">
                 <a:solidFill>
                   <a:schemeClr val="tx1"/>
                 </a:solidFill>
@@ -2992,8 +2992,8 @@
         </p:nvSpPr>
         <p:spPr>
           <a:xfrm>
-            <a:off x="10919012" y="6356350"/>
-            <a:ext cx="672354" cy="365125"/>
+            <a:off x="6551407" y="6780108"/>
+            <a:ext cx="403412" cy="389467"/>
           </a:xfrm>
           <a:prstGeom prst="rect">
             <a:avLst/>
@@ -3003,7 +3003,7 @@
           <a:bodyPr vert="horz" lIns="91440" tIns="45720" rIns="91440" bIns="45720" rtlCol="0" anchor="ctr"/>
           <a:lstStyle>
             <a:lvl1pPr algn="r">
-              <a:defRPr sz="1800">
+              <a:defRPr sz="1080">
                 <a:solidFill>
                   <a:schemeClr val="tx1"/>
                 </a:solidFill>
@@ -3036,8 +3036,8 @@
         </p:nvCxnSpPr>
         <p:spPr>
           <a:xfrm>
-            <a:off x="800100" y="723900"/>
-            <a:ext cx="10591800" cy="0"/>
+            <a:off x="480060" y="772160"/>
+            <a:ext cx="6355081" cy="0"/>
           </a:xfrm>
           <a:prstGeom prst="line">
             <a:avLst/>
@@ -3079,8 +3079,8 @@
         </p:nvCxnSpPr>
         <p:spPr>
           <a:xfrm>
-            <a:off x="800100" y="6142781"/>
-            <a:ext cx="10591800" cy="0"/>
+            <a:off x="480060" y="6552300"/>
+            <a:ext cx="6355081" cy="0"/>
           </a:xfrm>
           <a:prstGeom prst="line">
             <a:avLst/>
@@ -3129,7 +3129,7 @@
   </p:sldLayoutIdLst>
   <p:txStyles>
     <p:titleStyle>
-      <a:lvl1pPr algn="l" defTabSz="914400" rtl="0" eaLnBrk="1" latinLnBrk="0" hangingPunct="1">
+      <a:lvl1pPr algn="l" defTabSz="548657" rtl="0" eaLnBrk="1" latinLnBrk="0" hangingPunct="1">
         <a:lnSpc>
           <a:spcPct val="100000"/>
         </a:lnSpc>
@@ -3137,7 +3137,7 @@
           <a:spcPct val="0"/>
         </a:spcBef>
         <a:buNone/>
-        <a:defRPr sz="4000" kern="1200" cap="all" spc="30" baseline="0">
+        <a:defRPr sz="2400" kern="1200" cap="all" spc="18" baseline="0">
           <a:solidFill>
             <a:schemeClr val="tx1"/>
           </a:solidFill>
@@ -3148,16 +3148,16 @@
       </a:lvl1pPr>
     </p:titleStyle>
     <p:bodyStyle>
-      <a:lvl1pPr marL="228600" indent="-228600" algn="l" defTabSz="914400" rtl="0" eaLnBrk="1" latinLnBrk="0" hangingPunct="1">
+      <a:lvl1pPr marL="137165" indent="-137165" algn="l" defTabSz="548657" rtl="0" eaLnBrk="1" latinLnBrk="0" hangingPunct="1">
         <a:lnSpc>
           <a:spcPct val="120000"/>
         </a:lnSpc>
         <a:spcBef>
-          <a:spcPts val="1000"/>
+          <a:spcPts val="600"/>
         </a:spcBef>
         <a:buFont typeface="Arial" panose="020B0604020202020204" pitchFamily="34" charset="0"/>
         <a:buChar char="•"/>
-        <a:defRPr sz="2000" kern="1200">
+        <a:defRPr sz="1200" kern="1200">
           <a:solidFill>
             <a:schemeClr val="tx1"/>
           </a:solidFill>
@@ -3166,16 +3166,16 @@
           <a:cs typeface="+mn-cs"/>
         </a:defRPr>
       </a:lvl1pPr>
-      <a:lvl2pPr marL="685800" indent="-228600" algn="l" defTabSz="914400" rtl="0" eaLnBrk="1" latinLnBrk="0" hangingPunct="1">
+      <a:lvl2pPr marL="411493" indent="-137165" algn="l" defTabSz="548657" rtl="0" eaLnBrk="1" latinLnBrk="0" hangingPunct="1">
         <a:lnSpc>
           <a:spcPct val="120000"/>
         </a:lnSpc>
         <a:spcBef>
-          <a:spcPts val="500"/>
+          <a:spcPts val="300"/>
         </a:spcBef>
         <a:buFont typeface="Arial" panose="020B0604020202020204" pitchFamily="34" charset="0"/>
         <a:buChar char="•"/>
-        <a:defRPr sz="1800" kern="1200">
+        <a:defRPr sz="1080" kern="1200">
           <a:solidFill>
             <a:schemeClr val="tx1"/>
           </a:solidFill>
@@ -3184,16 +3184,16 @@
           <a:cs typeface="+mn-cs"/>
         </a:defRPr>
       </a:lvl2pPr>
-      <a:lvl3pPr marL="1143000" indent="-228600" algn="l" defTabSz="914400" rtl="0" eaLnBrk="1" latinLnBrk="0" hangingPunct="1">
+      <a:lvl3pPr marL="685822" indent="-137165" algn="l" defTabSz="548657" rtl="0" eaLnBrk="1" latinLnBrk="0" hangingPunct="1">
         <a:lnSpc>
           <a:spcPct val="120000"/>
         </a:lnSpc>
         <a:spcBef>
-          <a:spcPts val="500"/>
+          <a:spcPts val="300"/>
         </a:spcBef>
         <a:buFont typeface="Arial" panose="020B0604020202020204" pitchFamily="34" charset="0"/>
         <a:buChar char="•"/>
-        <a:defRPr sz="1600" kern="1200">
+        <a:defRPr sz="960" kern="1200">
           <a:solidFill>
             <a:schemeClr val="tx1"/>
           </a:solidFill>
@@ -3202,16 +3202,16 @@
           <a:cs typeface="+mn-cs"/>
         </a:defRPr>
       </a:lvl3pPr>
-      <a:lvl4pPr marL="1600200" indent="-228600" algn="l" defTabSz="914400" rtl="0" eaLnBrk="1" latinLnBrk="0" hangingPunct="1">
+      <a:lvl4pPr marL="960150" indent="-137165" algn="l" defTabSz="548657" rtl="0" eaLnBrk="1" latinLnBrk="0" hangingPunct="1">
         <a:lnSpc>
           <a:spcPct val="120000"/>
         </a:lnSpc>
         <a:spcBef>
-          <a:spcPts val="500"/>
+          <a:spcPts val="300"/>
         </a:spcBef>
         <a:buFont typeface="Arial" panose="020B0604020202020204" pitchFamily="34" charset="0"/>
         <a:buChar char="•"/>
-        <a:defRPr sz="1400" kern="1200">
+        <a:defRPr sz="840" kern="1200">
           <a:solidFill>
             <a:schemeClr val="tx1"/>
           </a:solidFill>
@@ -3220,16 +3220,16 @@
           <a:cs typeface="+mn-cs"/>
         </a:defRPr>
       </a:lvl4pPr>
-      <a:lvl5pPr marL="2057400" indent="-228600" algn="l" defTabSz="914400" rtl="0" eaLnBrk="1" latinLnBrk="0" hangingPunct="1">
+      <a:lvl5pPr marL="1234479" indent="-137165" algn="l" defTabSz="548657" rtl="0" eaLnBrk="1" latinLnBrk="0" hangingPunct="1">
         <a:lnSpc>
           <a:spcPct val="120000"/>
         </a:lnSpc>
         <a:spcBef>
-          <a:spcPts val="500"/>
+          <a:spcPts val="300"/>
         </a:spcBef>
         <a:buFont typeface="Arial" panose="020B0604020202020204" pitchFamily="34" charset="0"/>
         <a:buChar char="•"/>
-        <a:defRPr sz="1400" kern="1200">
+        <a:defRPr sz="840" kern="1200">
           <a:solidFill>
             <a:schemeClr val="tx1"/>
           </a:solidFill>
@@ -3238,16 +3238,16 @@
           <a:cs typeface="+mn-cs"/>
         </a:defRPr>
       </a:lvl5pPr>
-      <a:lvl6pPr marL="2514600" indent="-228600" algn="l" defTabSz="914400" rtl="0" eaLnBrk="1" latinLnBrk="0" hangingPunct="1">
+      <a:lvl6pPr marL="1508807" indent="-137165" algn="l" defTabSz="548657" rtl="0" eaLnBrk="1" latinLnBrk="0" hangingPunct="1">
         <a:lnSpc>
           <a:spcPct val="90000"/>
         </a:lnSpc>
         <a:spcBef>
-          <a:spcPts val="500"/>
+          <a:spcPts val="300"/>
         </a:spcBef>
         <a:buFont typeface="Arial" panose="020B0604020202020204" pitchFamily="34" charset="0"/>
         <a:buChar char="•"/>
-        <a:defRPr sz="1800" kern="1200">
+        <a:defRPr sz="1080" kern="1200">
           <a:solidFill>
             <a:schemeClr val="tx1"/>
           </a:solidFill>
@@ -3256,16 +3256,16 @@
           <a:cs typeface="+mn-cs"/>
         </a:defRPr>
       </a:lvl6pPr>
-      <a:lvl7pPr marL="2971800" indent="-228600" algn="l" defTabSz="914400" rtl="0" eaLnBrk="1" latinLnBrk="0" hangingPunct="1">
+      <a:lvl7pPr marL="1783136" indent="-137165" algn="l" defTabSz="548657" rtl="0" eaLnBrk="1" latinLnBrk="0" hangingPunct="1">
         <a:lnSpc>
           <a:spcPct val="90000"/>
         </a:lnSpc>
         <a:spcBef>
-          <a:spcPts val="500"/>
+          <a:spcPts val="300"/>
         </a:spcBef>
         <a:buFont typeface="Arial" panose="020B0604020202020204" pitchFamily="34" charset="0"/>
         <a:buChar char="•"/>
-        <a:defRPr sz="1800" kern="1200">
+        <a:defRPr sz="1080" kern="1200">
           <a:solidFill>
             <a:schemeClr val="tx1"/>
           </a:solidFill>
@@ -3274,16 +3274,16 @@
           <a:cs typeface="+mn-cs"/>
         </a:defRPr>
       </a:lvl7pPr>
-      <a:lvl8pPr marL="3429000" indent="-228600" algn="l" defTabSz="914400" rtl="0" eaLnBrk="1" latinLnBrk="0" hangingPunct="1">
+      <a:lvl8pPr marL="2057464" indent="-137165" algn="l" defTabSz="548657" rtl="0" eaLnBrk="1" latinLnBrk="0" hangingPunct="1">
         <a:lnSpc>
           <a:spcPct val="90000"/>
         </a:lnSpc>
         <a:spcBef>
-          <a:spcPts val="500"/>
+          <a:spcPts val="300"/>
         </a:spcBef>
         <a:buFont typeface="Arial" panose="020B0604020202020204" pitchFamily="34" charset="0"/>
         <a:buChar char="•"/>
-        <a:defRPr sz="1800" kern="1200">
+        <a:defRPr sz="1080" kern="1200">
           <a:solidFill>
             <a:schemeClr val="tx1"/>
           </a:solidFill>
@@ -3292,16 +3292,16 @@
           <a:cs typeface="+mn-cs"/>
         </a:defRPr>
       </a:lvl8pPr>
-      <a:lvl9pPr marL="3886200" indent="-228600" algn="l" defTabSz="914400" rtl="0" eaLnBrk="1" latinLnBrk="0" hangingPunct="1">
+      <a:lvl9pPr marL="2331793" indent="-137165" algn="l" defTabSz="548657" rtl="0" eaLnBrk="1" latinLnBrk="0" hangingPunct="1">
         <a:lnSpc>
           <a:spcPct val="90000"/>
         </a:lnSpc>
         <a:spcBef>
-          <a:spcPts val="500"/>
+          <a:spcPts val="300"/>
         </a:spcBef>
         <a:buFont typeface="Arial" panose="020B0604020202020204" pitchFamily="34" charset="0"/>
         <a:buChar char="•"/>
-        <a:defRPr sz="1800" kern="1200">
+        <a:defRPr sz="1080" kern="1200">
           <a:solidFill>
             <a:schemeClr val="tx1"/>
           </a:solidFill>
@@ -3315,8 +3315,8 @@
       <a:defPPr>
         <a:defRPr lang="en-US"/>
       </a:defPPr>
-      <a:lvl1pPr marL="0" algn="l" defTabSz="914400" rtl="0" eaLnBrk="1" latinLnBrk="0" hangingPunct="1">
-        <a:defRPr sz="1800" kern="1200">
+      <a:lvl1pPr marL="0" algn="l" defTabSz="548657" rtl="0" eaLnBrk="1" latinLnBrk="0" hangingPunct="1">
+        <a:defRPr sz="1080" kern="1200">
           <a:solidFill>
             <a:schemeClr val="tx1"/>
           </a:solidFill>
@@ -3325,8 +3325,8 @@
           <a:cs typeface="+mn-cs"/>
         </a:defRPr>
       </a:lvl1pPr>
-      <a:lvl2pPr marL="457200" algn="l" defTabSz="914400" rtl="0" eaLnBrk="1" latinLnBrk="0" hangingPunct="1">
-        <a:defRPr sz="1800" kern="1200">
+      <a:lvl2pPr marL="274328" algn="l" defTabSz="548657" rtl="0" eaLnBrk="1" latinLnBrk="0" hangingPunct="1">
+        <a:defRPr sz="1080" kern="1200">
           <a:solidFill>
             <a:schemeClr val="tx1"/>
           </a:solidFill>
@@ -3335,8 +3335,8 @@
           <a:cs typeface="+mn-cs"/>
         </a:defRPr>
       </a:lvl2pPr>
-      <a:lvl3pPr marL="914400" algn="l" defTabSz="914400" rtl="0" eaLnBrk="1" latinLnBrk="0" hangingPunct="1">
-        <a:defRPr sz="1800" kern="1200">
+      <a:lvl3pPr marL="548657" algn="l" defTabSz="548657" rtl="0" eaLnBrk="1" latinLnBrk="0" hangingPunct="1">
+        <a:defRPr sz="1080" kern="1200">
           <a:solidFill>
             <a:schemeClr val="tx1"/>
           </a:solidFill>
@@ -3345,8 +3345,8 @@
           <a:cs typeface="+mn-cs"/>
         </a:defRPr>
       </a:lvl3pPr>
-      <a:lvl4pPr marL="1371600" algn="l" defTabSz="914400" rtl="0" eaLnBrk="1" latinLnBrk="0" hangingPunct="1">
-        <a:defRPr sz="1800" kern="1200">
+      <a:lvl4pPr marL="822986" algn="l" defTabSz="548657" rtl="0" eaLnBrk="1" latinLnBrk="0" hangingPunct="1">
+        <a:defRPr sz="1080" kern="1200">
           <a:solidFill>
             <a:schemeClr val="tx1"/>
           </a:solidFill>
@@ -3355,8 +3355,8 @@
           <a:cs typeface="+mn-cs"/>
         </a:defRPr>
       </a:lvl4pPr>
-      <a:lvl5pPr marL="1828800" algn="l" defTabSz="914400" rtl="0" eaLnBrk="1" latinLnBrk="0" hangingPunct="1">
-        <a:defRPr sz="1800" kern="1200">
+      <a:lvl5pPr marL="1097314" algn="l" defTabSz="548657" rtl="0" eaLnBrk="1" latinLnBrk="0" hangingPunct="1">
+        <a:defRPr sz="1080" kern="1200">
           <a:solidFill>
             <a:schemeClr val="tx1"/>
           </a:solidFill>
@@ -3365,8 +3365,8 @@
           <a:cs typeface="+mn-cs"/>
         </a:defRPr>
       </a:lvl5pPr>
-      <a:lvl6pPr marL="2286000" algn="l" defTabSz="914400" rtl="0" eaLnBrk="1" latinLnBrk="0" hangingPunct="1">
-        <a:defRPr sz="1800" kern="1200">
+      <a:lvl6pPr marL="1371643" algn="l" defTabSz="548657" rtl="0" eaLnBrk="1" latinLnBrk="0" hangingPunct="1">
+        <a:defRPr sz="1080" kern="1200">
           <a:solidFill>
             <a:schemeClr val="tx1"/>
           </a:solidFill>
@@ -3375,8 +3375,8 @@
           <a:cs typeface="+mn-cs"/>
         </a:defRPr>
       </a:lvl6pPr>
-      <a:lvl7pPr marL="2743200" algn="l" defTabSz="914400" rtl="0" eaLnBrk="1" latinLnBrk="0" hangingPunct="1">
-        <a:defRPr sz="1800" kern="1200">
+      <a:lvl7pPr marL="1645971" algn="l" defTabSz="548657" rtl="0" eaLnBrk="1" latinLnBrk="0" hangingPunct="1">
+        <a:defRPr sz="1080" kern="1200">
           <a:solidFill>
             <a:schemeClr val="tx1"/>
           </a:solidFill>
@@ -3385,8 +3385,8 @@
           <a:cs typeface="+mn-cs"/>
         </a:defRPr>
       </a:lvl7pPr>
-      <a:lvl8pPr marL="3200400" algn="l" defTabSz="914400" rtl="0" eaLnBrk="1" latinLnBrk="0" hangingPunct="1">
-        <a:defRPr sz="1800" kern="1200">
+      <a:lvl8pPr marL="1920300" algn="l" defTabSz="548657" rtl="0" eaLnBrk="1" latinLnBrk="0" hangingPunct="1">
+        <a:defRPr sz="1080" kern="1200">
           <a:solidFill>
             <a:schemeClr val="tx1"/>
           </a:solidFill>
@@ -3395,8 +3395,8 @@
           <a:cs typeface="+mn-cs"/>
         </a:defRPr>
       </a:lvl8pPr>
-      <a:lvl9pPr marL="3657600" algn="l" defTabSz="914400" rtl="0" eaLnBrk="1" latinLnBrk="0" hangingPunct="1">
-        <a:defRPr sz="1800" kern="1200">
+      <a:lvl9pPr marL="2194628" algn="l" defTabSz="548657" rtl="0" eaLnBrk="1" latinLnBrk="0" hangingPunct="1">
+        <a:defRPr sz="1080" kern="1200">
           <a:solidFill>
             <a:schemeClr val="tx1"/>
           </a:solidFill>
@@ -3460,8 +3460,8 @@
         </p:nvSpPr>
         <p:spPr>
           <a:xfrm>
-            <a:off x="0" y="0"/>
-            <a:ext cx="12192000" cy="6858000"/>
+            <a:off x="0" y="1600200"/>
+            <a:ext cx="7315200" cy="4114800"/>
           </a:xfrm>
           <a:prstGeom prst="rect">
             <a:avLst/>
@@ -3507,7 +3507,7 @@
           <a:lstStyle/>
           <a:p>
             <a:pPr algn="ctr"/>
-            <a:endParaRPr lang="en-US"/>
+            <a:endParaRPr lang="en-US" sz="1080"/>
           </a:p>
         </p:txBody>
       </p:sp>
@@ -3529,8 +3529,8 @@
         </p:nvSpPr>
         <p:spPr>
           <a:xfrm>
-            <a:off x="647699" y="871758"/>
-            <a:ext cx="5227171" cy="3871143"/>
+            <a:off x="388620" y="2123255"/>
+            <a:ext cx="3136303" cy="2322686"/>
           </a:xfrm>
         </p:spPr>
         <p:txBody>
@@ -3545,17 +3545,17 @@
               </a:lnSpc>
             </a:pPr>
             <a:r>
-              <a:rPr lang="en-US" sz="4200"/>
+              <a:rPr lang="en-US" sz="2520" dirty="0"/>
               <a:t>2022 Collegeville Workshop on Scientific Software</a:t>
             </a:r>
             <a:br>
-              <a:rPr lang="en-US" sz="4200"/>
+              <a:rPr lang="en-US" sz="2520" dirty="0"/>
             </a:br>
             <a:br>
-              <a:rPr lang="en-US" sz="4200"/>
+              <a:rPr lang="en-US" sz="2520" dirty="0"/>
             </a:br>
             <a:r>
-              <a:rPr lang="en-US" sz="4200"/>
+              <a:rPr lang="en-US" sz="2520" dirty="0"/>
               <a:t>Software Design</a:t>
             </a:r>
           </a:p>
@@ -3579,8 +3579,8 @@
         </p:nvSpPr>
         <p:spPr>
           <a:xfrm>
-            <a:off x="695325" y="4785543"/>
-            <a:ext cx="4857857" cy="1005657"/>
+            <a:off x="417195" y="4471526"/>
+            <a:ext cx="2914714" cy="603394"/>
           </a:xfrm>
         </p:spPr>
         <p:txBody>
@@ -3591,19 +3591,13 @@
           <a:p>
             <a:pPr>
               <a:spcAft>
-                <a:spcPts val="600"/>
+                <a:spcPts val="360"/>
               </a:spcAft>
             </a:pPr>
-            <a:endParaRPr lang="en-US" dirty="0"/>
-          </a:p>
-          <a:p>
-            <a:pPr>
-              <a:spcAft>
-                <a:spcPts val="600"/>
-              </a:spcAft>
-            </a:pPr>
-            <a:r>
-              <a:rPr lang="en-US" dirty="0"/>
+            <a:r>
+              <a:rPr lang="en-US" sz="2900" dirty="0">
+                <a:latin typeface="+mj-lt"/>
+              </a:rPr>
               <a:t>July 25 – 29, 2022</a:t>
             </a:r>
           </a:p>
@@ -3634,8 +3628,8 @@
         </p:nvCxnSpPr>
         <p:spPr>
           <a:xfrm>
-            <a:off x="800100" y="723900"/>
-            <a:ext cx="4914900" cy="0"/>
+            <a:off x="480060" y="2034540"/>
+            <a:ext cx="2948940" cy="0"/>
           </a:xfrm>
           <a:prstGeom prst="line">
             <a:avLst/>
@@ -3686,8 +3680,8 @@
         </p:nvCxnSpPr>
         <p:spPr>
           <a:xfrm>
-            <a:off x="800100" y="6134100"/>
-            <a:ext cx="4914900" cy="0"/>
+            <a:off x="480060" y="5280660"/>
+            <a:ext cx="2948940" cy="0"/>
           </a:xfrm>
           <a:prstGeom prst="line">
             <a:avLst/>
@@ -3734,8 +3728,8 @@
         </p:blipFill>
         <p:spPr>
           <a:xfrm>
-            <a:off x="6515100" y="10"/>
-            <a:ext cx="5676900" cy="6857990"/>
+            <a:off x="3909060" y="1600207"/>
+            <a:ext cx="3406140" cy="4114794"/>
           </a:xfrm>
           <a:prstGeom prst="rect">
             <a:avLst/>
@@ -3794,7 +3788,7 @@
                                         <p:tgtEl>
                                           <p:spTgt spid="3">
                                             <p:txEl>
-                                              <p:pRg st="1" end="1"/>
+                                              <p:pRg st="0" end="0"/>
                                             </p:txEl>
                                           </p:spTgt>
                                         </p:tgtEl>
@@ -3812,7 +3806,7 @@
                                         <p:tgtEl>
                                           <p:spTgt spid="3">
                                             <p:txEl>
-                                              <p:pRg st="1" end="1"/>
+                                              <p:pRg st="0" end="0"/>
                                             </p:txEl>
                                           </p:spTgt>
                                         </p:tgtEl>
